--- a/P6-Project_Presentation/SNS-WebApplication.pptx
+++ b/P6-Project_Presentation/SNS-WebApplication.pptx
@@ -5997,16 +5997,24 @@
           </a:bodyPr>
           <a:lstStyle/>
           <a:p>
-            <a:pPr marL="0" lvl="0" indent="0">
-              <a:spcBef>
-                <a:spcPts val="0"/>
-              </a:spcBef>
+            <a:pPr lvl="0">
               <a:buNone/>
             </a:pPr>
             <a:r>
-              <a:rPr lang="en" dirty="0"/>
-              <a:t>Highlight some of your projects’ User Stories. Focus on explaining what this project can do from the user’s perspective.</a:t>
+              <a:rPr lang="en-US" dirty="0"/>
+              <a:t>I created a website interface for the customers to choose their nail package options, choose the stylist, then see the prices and book the service.</a:t>
             </a:r>
+            <a:endParaRPr lang="en" dirty="0"/>
+          </a:p>
+          <a:p>
+            <a:pPr lvl="0">
+              <a:buNone/>
+            </a:pPr>
+            <a:r>
+              <a:rPr lang="en-US" dirty="0"/>
+              <a:t>I also created a database interface, and views where one can enter/modification/delete the information in the adjoining database.</a:t>
+            </a:r>
+            <a:endParaRPr lang="en" dirty="0"/>
           </a:p>
         </p:txBody>
       </p:sp>
@@ -6444,9 +6452,18 @@
               <a:buChar char="●"/>
             </a:pPr>
             <a:r>
-              <a:rPr lang="en" dirty="0"/>
-              <a:t>New framework (for example,  a JS library or a different template engine)</a:t>
+              <a:rPr lang="en-US" dirty="0"/>
+              <a:t>To be careful and meticulous with the </a:t>
             </a:r>
+            <a:r>
+              <a:rPr lang="en-US" dirty="0" err="1"/>
+              <a:t>Thymeleaf</a:t>
+            </a:r>
+            <a:r>
+              <a:rPr lang="en-US" dirty="0"/>
+              <a:t> code as well as the Java code.</a:t>
+            </a:r>
+            <a:endParaRPr lang="en" dirty="0"/>
           </a:p>
           <a:p>
             <a:pPr marL="457200" lvl="0" indent="-342900" rtl="0">
@@ -6460,8 +6477,25 @@
               <a:buChar char="●"/>
             </a:pPr>
             <a:r>
-              <a:rPr lang="en" dirty="0"/>
-              <a:t>New technique (for example, connecting to an API or creating an admin dashboard)</a:t>
+              <a:rPr lang="en-US" dirty="0"/>
+              <a:t>How to update the database record.</a:t>
+            </a:r>
+            <a:endParaRPr lang="en" dirty="0"/>
+          </a:p>
+          <a:p>
+            <a:pPr marL="457200" lvl="0" indent="-342900" rtl="0">
+              <a:spcBef>
+                <a:spcPts val="0"/>
+              </a:spcBef>
+              <a:spcAft>
+                <a:spcPts val="0"/>
+              </a:spcAft>
+              <a:buSzPts val="1800"/>
+              <a:buChar char="●"/>
+            </a:pPr>
+            <a:r>
+              <a:rPr lang="en-US" dirty="0"/>
+              <a:t>How to overcome blockers to building a project.</a:t>
             </a:r>
           </a:p>
           <a:p>
@@ -6473,9 +6507,10 @@
               <a:buChar char="●"/>
             </a:pPr>
             <a:r>
-              <a:rPr lang="en" dirty="0"/>
-              <a:t>New feature or problem (for example, creating a user profile or pagination of data on the screen)</a:t>
+              <a:rPr lang="en-US" dirty="0"/>
+              <a:t>How to use GitHub more completely.</a:t>
             </a:r>
+            <a:endParaRPr lang="en" dirty="0"/>
           </a:p>
         </p:txBody>
       </p:sp>
@@ -6613,6 +6648,22 @@
             <a:r>
               <a:rPr lang="en-US" dirty="0"/>
               <a:t>Add more features for the core application.</a:t>
+            </a:r>
+          </a:p>
+          <a:p>
+            <a:pPr marL="457200" lvl="0" indent="-342900" rtl="0">
+              <a:spcBef>
+                <a:spcPts val="0"/>
+              </a:spcBef>
+              <a:spcAft>
+                <a:spcPts val="0"/>
+              </a:spcAft>
+              <a:buSzPts val="1800"/>
+              <a:buChar char="●"/>
+            </a:pPr>
+            <a:r>
+              <a:rPr lang="en-US" dirty="0"/>
+              <a:t>Adding user access control.</a:t>
             </a:r>
             <a:endParaRPr lang="en" dirty="0"/>
           </a:p>
